--- a/presentations/GIAIC_01-Introduction to Programming.pptx
+++ b/presentations/GIAIC_01-Introduction to Programming.pptx
@@ -5,7 +5,7 @@
     <p:sldMasterId id="2147483660" r:id="rId1"/>
   </p:sldMasterIdLst>
   <p:notesMasterIdLst>
-    <p:notesMasterId r:id="rId19"/>
+    <p:notesMasterId r:id="rId28"/>
   </p:notesMasterIdLst>
   <p:sldIdLst>
     <p:sldId id="256" r:id="rId2"/>
@@ -25,6 +25,15 @@
     <p:sldId id="270" r:id="rId16"/>
     <p:sldId id="271" r:id="rId17"/>
     <p:sldId id="272" r:id="rId18"/>
+    <p:sldId id="276" r:id="rId19"/>
+    <p:sldId id="277" r:id="rId20"/>
+    <p:sldId id="278" r:id="rId21"/>
+    <p:sldId id="279" r:id="rId22"/>
+    <p:sldId id="280" r:id="rId23"/>
+    <p:sldId id="273" r:id="rId24"/>
+    <p:sldId id="274" r:id="rId25"/>
+    <p:sldId id="275" r:id="rId26"/>
+    <p:sldId id="281" r:id="rId27"/>
   </p:sldIdLst>
   <p:sldSz cx="12192000" cy="6858000"/>
   <p:notesSz cx="6858000" cy="9144000"/>
@@ -1612,7 +1621,7 @@
           <a:p>
             <a:fld id="{AB46B035-DAFF-4A31-93C0-4287A3CE5000}" type="datetimeFigureOut">
               <a:rPr lang="en-US" smtClean="0"/>
-              <a:t>2/22/2024</a:t>
+              <a:t>2/23/2024</a:t>
             </a:fld>
             <a:endParaRPr lang="en-US"/>
           </a:p>
@@ -2700,7 +2709,7 @@
           <a:p>
             <a:fld id="{AB46B035-DAFF-4A31-93C0-4287A3CE5000}" type="datetimeFigureOut">
               <a:rPr lang="en-US" smtClean="0"/>
-              <a:t>2/22/2024</a:t>
+              <a:t>2/23/2024</a:t>
             </a:fld>
             <a:endParaRPr lang="en-US"/>
           </a:p>
@@ -3680,7 +3689,7 @@
           <a:p>
             <a:fld id="{AB46B035-DAFF-4A31-93C0-4287A3CE5000}" type="datetimeFigureOut">
               <a:rPr lang="en-US" smtClean="0"/>
-              <a:t>2/22/2024</a:t>
+              <a:t>2/23/2024</a:t>
             </a:fld>
             <a:endParaRPr lang="en-US"/>
           </a:p>
@@ -4814,7 +4823,7 @@
           <a:p>
             <a:fld id="{AB46B035-DAFF-4A31-93C0-4287A3CE5000}" type="datetimeFigureOut">
               <a:rPr lang="en-US" smtClean="0"/>
-              <a:t>2/22/2024</a:t>
+              <a:t>2/23/2024</a:t>
             </a:fld>
             <a:endParaRPr lang="en-US"/>
           </a:p>
@@ -5847,7 +5856,7 @@
           <a:p>
             <a:fld id="{AB46B035-DAFF-4A31-93C0-4287A3CE5000}" type="datetimeFigureOut">
               <a:rPr lang="en-US" smtClean="0"/>
-              <a:t>2/22/2024</a:t>
+              <a:t>2/23/2024</a:t>
             </a:fld>
             <a:endParaRPr lang="en-US"/>
           </a:p>
@@ -6507,7 +6516,7 @@
           <a:p>
             <a:fld id="{AB46B035-DAFF-4A31-93C0-4287A3CE5000}" type="datetimeFigureOut">
               <a:rPr lang="en-US" smtClean="0"/>
-              <a:t>2/22/2024</a:t>
+              <a:t>2/23/2024</a:t>
             </a:fld>
             <a:endParaRPr lang="en-US"/>
           </a:p>
@@ -7368,7 +7377,7 @@
           <a:p>
             <a:fld id="{AB46B035-DAFF-4A31-93C0-4287A3CE5000}" type="datetimeFigureOut">
               <a:rPr lang="en-US" smtClean="0"/>
-              <a:t>2/22/2024</a:t>
+              <a:t>2/23/2024</a:t>
             </a:fld>
             <a:endParaRPr lang="en-US"/>
           </a:p>
@@ -7558,7 +7567,7 @@
           <a:p>
             <a:fld id="{AB46B035-DAFF-4A31-93C0-4287A3CE5000}" type="datetimeFigureOut">
               <a:rPr lang="en-US" smtClean="0"/>
-              <a:t>2/22/2024</a:t>
+              <a:t>2/23/2024</a:t>
             </a:fld>
             <a:endParaRPr lang="en-US"/>
           </a:p>
@@ -8530,7 +8539,7 @@
           <a:p>
             <a:fld id="{AB46B035-DAFF-4A31-93C0-4287A3CE5000}" type="datetimeFigureOut">
               <a:rPr lang="en-US" smtClean="0"/>
-              <a:t>2/22/2024</a:t>
+              <a:t>2/23/2024</a:t>
             </a:fld>
             <a:endParaRPr lang="en-US"/>
           </a:p>
@@ -8741,7 +8750,7 @@
           <a:p>
             <a:fld id="{AB46B035-DAFF-4A31-93C0-4287A3CE5000}" type="datetimeFigureOut">
               <a:rPr lang="en-US" smtClean="0"/>
-              <a:t>2/22/2024</a:t>
+              <a:t>2/23/2024</a:t>
             </a:fld>
             <a:endParaRPr lang="en-US"/>
           </a:p>
@@ -9775,7 +9784,7 @@
           <a:p>
             <a:fld id="{AB46B035-DAFF-4A31-93C0-4287A3CE5000}" type="datetimeFigureOut">
               <a:rPr lang="en-US" smtClean="0"/>
-              <a:t>2/22/2024</a:t>
+              <a:t>2/23/2024</a:t>
             </a:fld>
             <a:endParaRPr lang="en-US"/>
           </a:p>
@@ -10047,7 +10056,7 @@
           <a:p>
             <a:fld id="{AB46B035-DAFF-4A31-93C0-4287A3CE5000}" type="datetimeFigureOut">
               <a:rPr lang="en-US" smtClean="0"/>
-              <a:t>2/22/2024</a:t>
+              <a:t>2/23/2024</a:t>
             </a:fld>
             <a:endParaRPr lang="en-US"/>
           </a:p>
@@ -10457,7 +10466,7 @@
           <a:p>
             <a:fld id="{AB46B035-DAFF-4A31-93C0-4287A3CE5000}" type="datetimeFigureOut">
               <a:rPr lang="en-US" smtClean="0"/>
-              <a:t>2/22/2024</a:t>
+              <a:t>2/23/2024</a:t>
             </a:fld>
             <a:endParaRPr lang="en-US"/>
           </a:p>
@@ -10584,7 +10593,7 @@
           <a:p>
             <a:fld id="{AB46B035-DAFF-4A31-93C0-4287A3CE5000}" type="datetimeFigureOut">
               <a:rPr lang="en-US" smtClean="0"/>
-              <a:t>2/22/2024</a:t>
+              <a:t>2/23/2024</a:t>
             </a:fld>
             <a:endParaRPr lang="en-US"/>
           </a:p>
@@ -10679,7 +10688,7 @@
           <a:p>
             <a:fld id="{AB46B035-DAFF-4A31-93C0-4287A3CE5000}" type="datetimeFigureOut">
               <a:rPr lang="en-US" smtClean="0"/>
-              <a:t>2/22/2024</a:t>
+              <a:t>2/23/2024</a:t>
             </a:fld>
             <a:endParaRPr lang="en-US"/>
           </a:p>
@@ -11760,7 +11769,7 @@
           <a:p>
             <a:fld id="{AB46B035-DAFF-4A31-93C0-4287A3CE5000}" type="datetimeFigureOut">
               <a:rPr lang="en-US" smtClean="0"/>
-              <a:t>2/22/2024</a:t>
+              <a:t>2/23/2024</a:t>
             </a:fld>
             <a:endParaRPr lang="en-US"/>
           </a:p>
@@ -12868,7 +12877,7 @@
           <a:p>
             <a:fld id="{AB46B035-DAFF-4A31-93C0-4287A3CE5000}" type="datetimeFigureOut">
               <a:rPr lang="en-US" smtClean="0"/>
-              <a:t>2/22/2024</a:t>
+              <a:t>2/23/2024</a:t>
             </a:fld>
             <a:endParaRPr lang="en-US"/>
           </a:p>
@@ -13865,7 +13874,7 @@
           <a:p>
             <a:fld id="{AB46B035-DAFF-4A31-93C0-4287A3CE5000}" type="datetimeFigureOut">
               <a:rPr lang="en-US" smtClean="0"/>
-              <a:t>2/22/2024</a:t>
+              <a:t>2/23/2024</a:t>
             </a:fld>
             <a:endParaRPr lang="en-US"/>
           </a:p>
@@ -15636,6 +15645,291 @@
 </p:sld>
 </file>
 
+<file path=ppt/slides/slide18.xml><?xml version="1.0" encoding="utf-8"?>
+<p:sld xmlns:a="http://schemas.openxmlformats.org/drawingml/2006/main" xmlns:r="http://schemas.openxmlformats.org/officeDocument/2006/relationships" xmlns:p="http://schemas.openxmlformats.org/presentationml/2006/main">
+  <p:cSld>
+    <p:spTree>
+      <p:nvGrpSpPr>
+        <p:cNvPr id="1" name=""/>
+        <p:cNvGrpSpPr/>
+        <p:nvPr/>
+      </p:nvGrpSpPr>
+      <p:grpSpPr>
+        <a:xfrm>
+          <a:off x="0" y="0"/>
+          <a:ext cx="0" cy="0"/>
+          <a:chOff x="0" y="0"/>
+          <a:chExt cx="0" cy="0"/>
+        </a:xfrm>
+      </p:grpSpPr>
+      <p:sp>
+        <p:nvSpPr>
+          <p:cNvPr id="4" name="Title 3">
+            <a:extLst>
+              <a:ext uri="{FF2B5EF4-FFF2-40B4-BE49-F238E27FC236}">
+                <a16:creationId xmlns:a16="http://schemas.microsoft.com/office/drawing/2014/main" id="{24D6C238-4D92-A589-2BE9-AB9BACF55A7F}"/>
+              </a:ext>
+            </a:extLst>
+          </p:cNvPr>
+          <p:cNvSpPr>
+            <a:spLocks noGrp="1"/>
+          </p:cNvSpPr>
+          <p:nvPr>
+            <p:ph type="ctrTitle"/>
+          </p:nvPr>
+        </p:nvSpPr>
+        <p:spPr/>
+        <p:txBody>
+          <a:bodyPr/>
+          <a:lstStyle/>
+          <a:p>
+            <a:r>
+              <a:rPr lang="en-US" dirty="0"/>
+              <a:t>What are Syntax Errors and How they are Handled?</a:t>
+            </a:r>
+          </a:p>
+        </p:txBody>
+      </p:sp>
+      <p:sp>
+        <p:nvSpPr>
+          <p:cNvPr id="5" name="Subtitle 4">
+            <a:extLst>
+              <a:ext uri="{FF2B5EF4-FFF2-40B4-BE49-F238E27FC236}">
+                <a16:creationId xmlns:a16="http://schemas.microsoft.com/office/drawing/2014/main" id="{CD270ABE-BF8C-33F3-C3EC-8B982236E92A}"/>
+              </a:ext>
+            </a:extLst>
+          </p:cNvPr>
+          <p:cNvSpPr>
+            <a:spLocks noGrp="1"/>
+          </p:cNvSpPr>
+          <p:nvPr>
+            <p:ph type="subTitle" idx="1"/>
+          </p:nvPr>
+        </p:nvSpPr>
+        <p:spPr>
+          <a:xfrm>
+            <a:off x="1154955" y="4777380"/>
+            <a:ext cx="9882090" cy="861420"/>
+          </a:xfrm>
+        </p:spPr>
+        <p:txBody>
+          <a:bodyPr>
+            <a:normAutofit/>
+          </a:bodyPr>
+          <a:lstStyle/>
+          <a:p>
+            <a:r>
+              <a:rPr lang="en-US" sz="1600" dirty="0">
+                <a:hlinkClick r:id="rId2"/>
+              </a:rPr>
+              <a:t>https://github.com/panaverse/learn-typescript/tree/master/step00b_syntax_error</a:t>
+            </a:r>
+            <a:endParaRPr lang="en-US" sz="1600" dirty="0"/>
+          </a:p>
+          <a:p>
+            <a:r>
+              <a:rPr lang="en-US" sz="1600" dirty="0">
+                <a:hlinkClick r:id="rId3"/>
+              </a:rPr>
+              <a:t>https://github.com/panaverse/learn-typescript/blob/master/step00c_type_error</a:t>
+            </a:r>
+            <a:endParaRPr lang="en-US" sz="1600" dirty="0"/>
+          </a:p>
+          <a:p>
+            <a:endParaRPr lang="en-US" sz="1600" dirty="0"/>
+          </a:p>
+        </p:txBody>
+      </p:sp>
+    </p:spTree>
+    <p:extLst>
+      <p:ext uri="{BB962C8B-B14F-4D97-AF65-F5344CB8AC3E}">
+        <p14:creationId xmlns:p14="http://schemas.microsoft.com/office/powerpoint/2010/main" val="2064481135"/>
+      </p:ext>
+    </p:extLst>
+  </p:cSld>
+  <p:clrMapOvr>
+    <a:masterClrMapping/>
+  </p:clrMapOvr>
+</p:sld>
+</file>
+
+<file path=ppt/slides/slide19.xml><?xml version="1.0" encoding="utf-8"?>
+<p:sld xmlns:a="http://schemas.openxmlformats.org/drawingml/2006/main" xmlns:r="http://schemas.openxmlformats.org/officeDocument/2006/relationships" xmlns:p="http://schemas.openxmlformats.org/presentationml/2006/main">
+  <p:cSld>
+    <p:spTree>
+      <p:nvGrpSpPr>
+        <p:cNvPr id="1" name=""/>
+        <p:cNvGrpSpPr/>
+        <p:nvPr/>
+      </p:nvGrpSpPr>
+      <p:grpSpPr>
+        <a:xfrm>
+          <a:off x="0" y="0"/>
+          <a:ext cx="0" cy="0"/>
+          <a:chOff x="0" y="0"/>
+          <a:chExt cx="0" cy="0"/>
+        </a:xfrm>
+      </p:grpSpPr>
+      <p:sp>
+        <p:nvSpPr>
+          <p:cNvPr id="2" name="Title 1">
+            <a:extLst>
+              <a:ext uri="{FF2B5EF4-FFF2-40B4-BE49-F238E27FC236}">
+                <a16:creationId xmlns:a16="http://schemas.microsoft.com/office/drawing/2014/main" id="{52EA3E16-6400-6457-3A0E-D2C3AB39292B}"/>
+              </a:ext>
+            </a:extLst>
+          </p:cNvPr>
+          <p:cNvSpPr>
+            <a:spLocks noGrp="1"/>
+          </p:cNvSpPr>
+          <p:nvPr>
+            <p:ph type="title"/>
+          </p:nvPr>
+        </p:nvSpPr>
+        <p:spPr/>
+        <p:txBody>
+          <a:bodyPr/>
+          <a:lstStyle/>
+          <a:p>
+            <a:r>
+              <a:rPr lang="en-US" dirty="0"/>
+              <a:t>Syntax Errors</a:t>
+            </a:r>
+          </a:p>
+        </p:txBody>
+      </p:sp>
+      <p:sp>
+        <p:nvSpPr>
+          <p:cNvPr id="3" name="Content Placeholder 2">
+            <a:extLst>
+              <a:ext uri="{FF2B5EF4-FFF2-40B4-BE49-F238E27FC236}">
+                <a16:creationId xmlns:a16="http://schemas.microsoft.com/office/drawing/2014/main" id="{451433CF-90BC-B6EF-B77E-D6CB4AFFCDE1}"/>
+              </a:ext>
+            </a:extLst>
+          </p:cNvPr>
+          <p:cNvSpPr>
+            <a:spLocks noGrp="1"/>
+          </p:cNvSpPr>
+          <p:nvPr>
+            <p:ph idx="1"/>
+          </p:nvPr>
+        </p:nvSpPr>
+        <p:spPr/>
+        <p:txBody>
+          <a:bodyPr>
+            <a:normAutofit/>
+          </a:bodyPr>
+          <a:lstStyle/>
+          <a:p>
+            <a:r>
+              <a:rPr lang="en-US" b="1" dirty="0"/>
+              <a:t>Consider the following code.</a:t>
+            </a:r>
+          </a:p>
+          <a:p>
+            <a:pPr marL="457200" lvl="1" indent="0">
+              <a:buNone/>
+            </a:pPr>
+            <a:r>
+              <a:rPr lang="en-US" dirty="0" err="1"/>
+              <a:t>lett</a:t>
+            </a:r>
+            <a:r>
+              <a:rPr lang="en-US" dirty="0"/>
+              <a:t> message = "Hello World";//syntax error</a:t>
+            </a:r>
+          </a:p>
+          <a:p>
+            <a:pPr marL="457200" lvl="1" indent="0">
+              <a:buNone/>
+            </a:pPr>
+            <a:r>
+              <a:rPr lang="en-US" dirty="0"/>
+              <a:t>console.log(message);</a:t>
+            </a:r>
+          </a:p>
+          <a:p>
+            <a:r>
+              <a:rPr lang="en-US" b="1" dirty="0"/>
+              <a:t>Run </a:t>
+            </a:r>
+            <a:r>
+              <a:rPr lang="en-US" b="1" dirty="0" err="1"/>
+              <a:t>tsc</a:t>
+            </a:r>
+            <a:r>
+              <a:rPr lang="en-US" b="1" dirty="0"/>
+              <a:t> </a:t>
+            </a:r>
+            <a:r>
+              <a:rPr lang="en-US" b="1" dirty="0" err="1"/>
+              <a:t>app.ts</a:t>
+            </a:r>
+            <a:endParaRPr lang="en-US" b="1" dirty="0"/>
+          </a:p>
+          <a:p>
+            <a:pPr marL="400050" lvl="1" indent="0">
+              <a:buNone/>
+            </a:pPr>
+            <a:r>
+              <a:rPr lang="en-US" dirty="0"/>
+              <a:t>app.ts:1:1 - error TS1435: Unknown keyword or identifier. Did you mean 'let'?</a:t>
+            </a:r>
+          </a:p>
+          <a:p>
+            <a:pPr marL="400050" lvl="1" indent="0">
+              <a:buNone/>
+            </a:pPr>
+            <a:r>
+              <a:rPr lang="en-US" dirty="0" err="1"/>
+              <a:t>lett</a:t>
+            </a:r>
+            <a:r>
+              <a:rPr lang="en-US" dirty="0"/>
+              <a:t> message = "Hello World";//syntax error</a:t>
+            </a:r>
+          </a:p>
+          <a:p>
+            <a:pPr marL="400050" lvl="1" indent="0">
+              <a:buNone/>
+            </a:pPr>
+            <a:r>
+              <a:rPr lang="en-US" dirty="0"/>
+              <a:t>  	Found 1 error in app.ts:1</a:t>
+            </a:r>
+          </a:p>
+          <a:p>
+            <a:pPr marL="400050" lvl="1" indent="0">
+              <a:buNone/>
+            </a:pPr>
+            <a:r>
+              <a:rPr lang="en-US" dirty="0"/>
+              <a:t>Note that .</a:t>
+            </a:r>
+            <a:r>
+              <a:rPr lang="en-US" dirty="0" err="1"/>
+              <a:t>js</a:t>
+            </a:r>
+            <a:r>
+              <a:rPr lang="en-US" dirty="0"/>
+              <a:t> file has been generated but it is not valid.</a:t>
+            </a:r>
+          </a:p>
+        </p:txBody>
+      </p:sp>
+    </p:spTree>
+    <p:extLst>
+      <p:ext uri="{BB962C8B-B14F-4D97-AF65-F5344CB8AC3E}">
+        <p14:creationId xmlns:p14="http://schemas.microsoft.com/office/powerpoint/2010/main" val="3512596445"/>
+      </p:ext>
+    </p:extLst>
+  </p:cSld>
+  <p:clrMapOvr>
+    <a:masterClrMapping/>
+  </p:clrMapOvr>
+</p:sld>
+</file>
+
 <file path=ppt/slides/slide2.xml><?xml version="1.0" encoding="utf-8"?>
 <p:sld xmlns:a="http://schemas.openxmlformats.org/drawingml/2006/main" xmlns:r="http://schemas.openxmlformats.org/officeDocument/2006/relationships" xmlns:p="http://schemas.openxmlformats.org/presentationml/2006/main">
   <p:cSld>
@@ -15817,6 +16111,1088 @@
     <p:extLst>
       <p:ext uri="{BB962C8B-B14F-4D97-AF65-F5344CB8AC3E}">
         <p14:creationId xmlns:p14="http://schemas.microsoft.com/office/powerpoint/2010/main" val="1049177369"/>
+      </p:ext>
+    </p:extLst>
+  </p:cSld>
+  <p:clrMapOvr>
+    <a:masterClrMapping/>
+  </p:clrMapOvr>
+</p:sld>
+</file>
+
+<file path=ppt/slides/slide20.xml><?xml version="1.0" encoding="utf-8"?>
+<p:sld xmlns:a="http://schemas.openxmlformats.org/drawingml/2006/main" xmlns:r="http://schemas.openxmlformats.org/officeDocument/2006/relationships" xmlns:p="http://schemas.openxmlformats.org/presentationml/2006/main">
+  <p:cSld>
+    <p:spTree>
+      <p:nvGrpSpPr>
+        <p:cNvPr id="1" name=""/>
+        <p:cNvGrpSpPr/>
+        <p:nvPr/>
+      </p:nvGrpSpPr>
+      <p:grpSpPr>
+        <a:xfrm>
+          <a:off x="0" y="0"/>
+          <a:ext cx="0" cy="0"/>
+          <a:chOff x="0" y="0"/>
+          <a:chExt cx="0" cy="0"/>
+        </a:xfrm>
+      </p:grpSpPr>
+      <p:sp>
+        <p:nvSpPr>
+          <p:cNvPr id="2" name="Title 1">
+            <a:extLst>
+              <a:ext uri="{FF2B5EF4-FFF2-40B4-BE49-F238E27FC236}">
+                <a16:creationId xmlns:a16="http://schemas.microsoft.com/office/drawing/2014/main" id="{EFA6FEBF-9976-489B-23B3-76C42B4C5C89}"/>
+              </a:ext>
+            </a:extLst>
+          </p:cNvPr>
+          <p:cNvSpPr>
+            <a:spLocks noGrp="1"/>
+          </p:cNvSpPr>
+          <p:nvPr>
+            <p:ph type="title"/>
+          </p:nvPr>
+        </p:nvSpPr>
+        <p:spPr/>
+        <p:txBody>
+          <a:bodyPr/>
+          <a:lstStyle/>
+          <a:p>
+            <a:r>
+              <a:rPr lang="en-US" dirty="0"/>
+              <a:t>Syntax Error</a:t>
+            </a:r>
+          </a:p>
+        </p:txBody>
+      </p:sp>
+      <p:sp>
+        <p:nvSpPr>
+          <p:cNvPr id="3" name="Content Placeholder 2">
+            <a:extLst>
+              <a:ext uri="{FF2B5EF4-FFF2-40B4-BE49-F238E27FC236}">
+                <a16:creationId xmlns:a16="http://schemas.microsoft.com/office/drawing/2014/main" id="{D95D1730-1274-C16A-15BE-D16299F0E358}"/>
+              </a:ext>
+            </a:extLst>
+          </p:cNvPr>
+          <p:cNvSpPr>
+            <a:spLocks noGrp="1"/>
+          </p:cNvSpPr>
+          <p:nvPr>
+            <p:ph idx="1"/>
+          </p:nvPr>
+        </p:nvSpPr>
+        <p:spPr/>
+        <p:txBody>
+          <a:bodyPr>
+            <a:normAutofit fontScale="77500" lnSpcReduction="20000"/>
+          </a:bodyPr>
+          <a:lstStyle/>
+          <a:p>
+            <a:r>
+              <a:rPr lang="en-US" b="1" dirty="0"/>
+              <a:t>Consider the Following Code</a:t>
+            </a:r>
+          </a:p>
+          <a:p>
+            <a:pPr marL="457200" lvl="1" indent="0">
+              <a:buNone/>
+            </a:pPr>
+            <a:r>
+              <a:rPr lang="en-US" dirty="0"/>
+              <a:t>let message = "Hello World";</a:t>
+            </a:r>
+          </a:p>
+          <a:p>
+            <a:pPr marL="457200" lvl="1" indent="0">
+              <a:buNone/>
+            </a:pPr>
+            <a:r>
+              <a:rPr lang="en-US" dirty="0" err="1"/>
+              <a:t>console.loger</a:t>
+            </a:r>
+            <a:r>
+              <a:rPr lang="en-US" dirty="0"/>
+              <a:t>(message);</a:t>
+            </a:r>
+          </a:p>
+          <a:p>
+            <a:r>
+              <a:rPr lang="en-US" b="1" dirty="0"/>
+              <a:t>Run </a:t>
+            </a:r>
+            <a:r>
+              <a:rPr lang="en-US" b="1" dirty="0" err="1"/>
+              <a:t>tsc</a:t>
+            </a:r>
+            <a:r>
+              <a:rPr lang="en-US" b="1" dirty="0"/>
+              <a:t> </a:t>
+            </a:r>
+            <a:r>
+              <a:rPr lang="en-US" b="1" dirty="0" err="1"/>
+              <a:t>app.ts</a:t>
+            </a:r>
+            <a:endParaRPr lang="en-US" b="1" dirty="0"/>
+          </a:p>
+          <a:p>
+            <a:pPr marL="457200" lvl="1" indent="0">
+              <a:buNone/>
+            </a:pPr>
+            <a:r>
+              <a:rPr lang="en-US" dirty="0"/>
+              <a:t>app.ts:2:9 - error TS2551: Property '</a:t>
+            </a:r>
+            <a:r>
+              <a:rPr lang="en-US" dirty="0" err="1"/>
+              <a:t>loger</a:t>
+            </a:r>
+            <a:r>
+              <a:rPr lang="en-US" dirty="0"/>
+              <a:t>' does not exist on type 'Console'. Did you mean 'log'?</a:t>
+            </a:r>
+          </a:p>
+          <a:p>
+            <a:pPr marL="457200" lvl="1" indent="0">
+              <a:buNone/>
+            </a:pPr>
+            <a:r>
+              <a:rPr lang="en-US" dirty="0"/>
+              <a:t>	2 </a:t>
+            </a:r>
+            <a:r>
+              <a:rPr lang="en-US" dirty="0" err="1"/>
+              <a:t>console.loger</a:t>
+            </a:r>
+            <a:r>
+              <a:rPr lang="en-US" dirty="0"/>
+              <a:t>(message);</a:t>
+            </a:r>
+          </a:p>
+          <a:p>
+            <a:pPr marL="457200" lvl="1" indent="0">
+              <a:buNone/>
+            </a:pPr>
+            <a:r>
+              <a:rPr lang="en-US" dirty="0"/>
+              <a:t>      ~~~~~</a:t>
+            </a:r>
+          </a:p>
+          <a:p>
+            <a:pPr marL="457200" lvl="1" indent="0">
+              <a:buNone/>
+            </a:pPr>
+            <a:r>
+              <a:rPr lang="en-US" dirty="0"/>
+              <a:t>	../../../../../../</a:t>
+            </a:r>
+            <a:r>
+              <a:rPr lang="en-US" dirty="0" err="1"/>
+              <a:t>usr</a:t>
+            </a:r>
+            <a:r>
+              <a:rPr lang="en-US" dirty="0"/>
+              <a:t>/local/lib/</a:t>
+            </a:r>
+            <a:r>
+              <a:rPr lang="en-US" dirty="0" err="1"/>
+              <a:t>node_modules</a:t>
+            </a:r>
+            <a:r>
+              <a:rPr lang="en-US" dirty="0"/>
+              <a:t>/typescript/lib/lib.dom.d.ts:17095:5</a:t>
+            </a:r>
+          </a:p>
+          <a:p>
+            <a:pPr marL="457200" lvl="1" indent="0">
+              <a:buNone/>
+            </a:pPr>
+            <a:r>
+              <a:rPr lang="en-US" dirty="0"/>
+              <a:t>	17095     log(...data: any[]): void;</a:t>
+            </a:r>
+          </a:p>
+          <a:p>
+            <a:pPr marL="457200" lvl="1" indent="0">
+              <a:buNone/>
+            </a:pPr>
+            <a:r>
+              <a:rPr lang="en-US" dirty="0"/>
+              <a:t>          ~~~~~~~~~~~~~~~~~~~~~~~~~~</a:t>
+            </a:r>
+          </a:p>
+          <a:p>
+            <a:pPr marL="457200" lvl="1" indent="0">
+              <a:buNone/>
+            </a:pPr>
+            <a:r>
+              <a:rPr lang="en-US" dirty="0"/>
+              <a:t>	'log' is declared here.</a:t>
+            </a:r>
+          </a:p>
+          <a:p>
+            <a:pPr marL="457200" lvl="1" indent="0">
+              <a:buNone/>
+            </a:pPr>
+            <a:r>
+              <a:rPr lang="en-US" dirty="0"/>
+              <a:t>	Found 1 error in app.ts:2</a:t>
+            </a:r>
+          </a:p>
+        </p:txBody>
+      </p:sp>
+    </p:spTree>
+    <p:extLst>
+      <p:ext uri="{BB962C8B-B14F-4D97-AF65-F5344CB8AC3E}">
+        <p14:creationId xmlns:p14="http://schemas.microsoft.com/office/powerpoint/2010/main" val="3060059413"/>
+      </p:ext>
+    </p:extLst>
+  </p:cSld>
+  <p:clrMapOvr>
+    <a:masterClrMapping/>
+  </p:clrMapOvr>
+</p:sld>
+</file>
+
+<file path=ppt/slides/slide21.xml><?xml version="1.0" encoding="utf-8"?>
+<p:sld xmlns:a="http://schemas.openxmlformats.org/drawingml/2006/main" xmlns:r="http://schemas.openxmlformats.org/officeDocument/2006/relationships" xmlns:p="http://schemas.openxmlformats.org/presentationml/2006/main">
+  <p:cSld>
+    <p:spTree>
+      <p:nvGrpSpPr>
+        <p:cNvPr id="1" name=""/>
+        <p:cNvGrpSpPr/>
+        <p:nvPr/>
+      </p:nvGrpSpPr>
+      <p:grpSpPr>
+        <a:xfrm>
+          <a:off x="0" y="0"/>
+          <a:ext cx="0" cy="0"/>
+          <a:chOff x="0" y="0"/>
+          <a:chExt cx="0" cy="0"/>
+        </a:xfrm>
+      </p:grpSpPr>
+      <p:sp>
+        <p:nvSpPr>
+          <p:cNvPr id="4" name="Title 3">
+            <a:extLst>
+              <a:ext uri="{FF2B5EF4-FFF2-40B4-BE49-F238E27FC236}">
+                <a16:creationId xmlns:a16="http://schemas.microsoft.com/office/drawing/2014/main" id="{95F7B226-6EB0-40C2-1785-FA6543EF99B5}"/>
+              </a:ext>
+            </a:extLst>
+          </p:cNvPr>
+          <p:cNvSpPr>
+            <a:spLocks noGrp="1"/>
+          </p:cNvSpPr>
+          <p:nvPr>
+            <p:ph type="ctrTitle"/>
+          </p:nvPr>
+        </p:nvSpPr>
+        <p:spPr/>
+        <p:txBody>
+          <a:bodyPr/>
+          <a:lstStyle/>
+          <a:p>
+            <a:r>
+              <a:rPr lang="en-US"/>
+              <a:t>What are Assignability </a:t>
+            </a:r>
+            <a:r>
+              <a:rPr lang="en-US" dirty="0"/>
+              <a:t>Error and How they are handled?</a:t>
+            </a:r>
+          </a:p>
+        </p:txBody>
+      </p:sp>
+      <p:sp>
+        <p:nvSpPr>
+          <p:cNvPr id="5" name="Subtitle 4">
+            <a:extLst>
+              <a:ext uri="{FF2B5EF4-FFF2-40B4-BE49-F238E27FC236}">
+                <a16:creationId xmlns:a16="http://schemas.microsoft.com/office/drawing/2014/main" id="{E0030E4A-22F8-7F0E-F77A-A400FDE91D0D}"/>
+              </a:ext>
+            </a:extLst>
+          </p:cNvPr>
+          <p:cNvSpPr>
+            <a:spLocks noGrp="1"/>
+          </p:cNvSpPr>
+          <p:nvPr>
+            <p:ph type="subTitle" idx="1"/>
+          </p:nvPr>
+        </p:nvSpPr>
+        <p:spPr>
+          <a:xfrm>
+            <a:off x="1154954" y="4777380"/>
+            <a:ext cx="9783555" cy="861420"/>
+          </a:xfrm>
+        </p:spPr>
+        <p:txBody>
+          <a:bodyPr>
+            <a:normAutofit/>
+          </a:bodyPr>
+          <a:lstStyle/>
+          <a:p>
+            <a:r>
+              <a:rPr lang="en-US" sz="1400" dirty="0">
+                <a:hlinkClick r:id="rId2"/>
+              </a:rPr>
+              <a:t>https://github.com/panaverse/learn-typescript/tree/master/step00d_assignability_error</a:t>
+            </a:r>
+            <a:endParaRPr lang="en-US" sz="1400" dirty="0"/>
+          </a:p>
+          <a:p>
+            <a:endParaRPr lang="en-US" sz="1400" dirty="0"/>
+          </a:p>
+        </p:txBody>
+      </p:sp>
+    </p:spTree>
+    <p:extLst>
+      <p:ext uri="{BB962C8B-B14F-4D97-AF65-F5344CB8AC3E}">
+        <p14:creationId xmlns:p14="http://schemas.microsoft.com/office/powerpoint/2010/main" val="3416442409"/>
+      </p:ext>
+    </p:extLst>
+  </p:cSld>
+  <p:clrMapOvr>
+    <a:masterClrMapping/>
+  </p:clrMapOvr>
+</p:sld>
+</file>
+
+<file path=ppt/slides/slide22.xml><?xml version="1.0" encoding="utf-8"?>
+<p:sld xmlns:a="http://schemas.openxmlformats.org/drawingml/2006/main" xmlns:r="http://schemas.openxmlformats.org/officeDocument/2006/relationships" xmlns:p="http://schemas.openxmlformats.org/presentationml/2006/main">
+  <p:cSld>
+    <p:spTree>
+      <p:nvGrpSpPr>
+        <p:cNvPr id="1" name=""/>
+        <p:cNvGrpSpPr/>
+        <p:nvPr/>
+      </p:nvGrpSpPr>
+      <p:grpSpPr>
+        <a:xfrm>
+          <a:off x="0" y="0"/>
+          <a:ext cx="0" cy="0"/>
+          <a:chOff x="0" y="0"/>
+          <a:chExt cx="0" cy="0"/>
+        </a:xfrm>
+      </p:grpSpPr>
+      <p:sp>
+        <p:nvSpPr>
+          <p:cNvPr id="2" name="Title 1">
+            <a:extLst>
+              <a:ext uri="{FF2B5EF4-FFF2-40B4-BE49-F238E27FC236}">
+                <a16:creationId xmlns:a16="http://schemas.microsoft.com/office/drawing/2014/main" id="{DF6B2831-D6CE-BAC5-C81A-729A2796FC80}"/>
+              </a:ext>
+            </a:extLst>
+          </p:cNvPr>
+          <p:cNvSpPr>
+            <a:spLocks noGrp="1"/>
+          </p:cNvSpPr>
+          <p:nvPr>
+            <p:ph type="title"/>
+          </p:nvPr>
+        </p:nvSpPr>
+        <p:spPr/>
+        <p:txBody>
+          <a:bodyPr/>
+          <a:lstStyle/>
+          <a:p>
+            <a:r>
+              <a:rPr lang="en-US" dirty="0"/>
+              <a:t>Assignability Errors and Issues</a:t>
+            </a:r>
+          </a:p>
+        </p:txBody>
+      </p:sp>
+      <p:sp>
+        <p:nvSpPr>
+          <p:cNvPr id="3" name="Content Placeholder 2">
+            <a:extLst>
+              <a:ext uri="{FF2B5EF4-FFF2-40B4-BE49-F238E27FC236}">
+                <a16:creationId xmlns:a16="http://schemas.microsoft.com/office/drawing/2014/main" id="{4582CB28-520C-A556-8E6C-378F86595A03}"/>
+              </a:ext>
+            </a:extLst>
+          </p:cNvPr>
+          <p:cNvSpPr>
+            <a:spLocks noGrp="1"/>
+          </p:cNvSpPr>
+          <p:nvPr>
+            <p:ph idx="1"/>
+          </p:nvPr>
+        </p:nvSpPr>
+        <p:spPr/>
+        <p:txBody>
+          <a:bodyPr>
+            <a:normAutofit/>
+          </a:bodyPr>
+          <a:lstStyle/>
+          <a:p>
+            <a:r>
+              <a:rPr lang="en-US" b="1" dirty="0"/>
+              <a:t>Consider the Following Code</a:t>
+            </a:r>
+          </a:p>
+          <a:p>
+            <a:pPr marL="457200" lvl="1" indent="0">
+              <a:buNone/>
+            </a:pPr>
+            <a:r>
+              <a:rPr lang="da-DK" dirty="0"/>
+              <a:t>let message = "Hello World";</a:t>
+            </a:r>
+          </a:p>
+          <a:p>
+            <a:pPr marL="457200" lvl="1" indent="0">
+              <a:buNone/>
+            </a:pPr>
+            <a:r>
+              <a:rPr lang="da-DK" dirty="0"/>
+              <a:t>message = 6;</a:t>
+            </a:r>
+          </a:p>
+          <a:p>
+            <a:pPr marL="457200" lvl="1" indent="0">
+              <a:buNone/>
+            </a:pPr>
+            <a:r>
+              <a:rPr lang="da-DK" dirty="0"/>
+              <a:t>console.log(message);</a:t>
+            </a:r>
+            <a:endParaRPr lang="en-US" dirty="0"/>
+          </a:p>
+          <a:p>
+            <a:r>
+              <a:rPr lang="en-US" b="1" dirty="0"/>
+              <a:t>Run </a:t>
+            </a:r>
+            <a:r>
+              <a:rPr lang="en-US" b="1" dirty="0" err="1"/>
+              <a:t>tsc</a:t>
+            </a:r>
+            <a:r>
+              <a:rPr lang="en-US" b="1" dirty="0"/>
+              <a:t> </a:t>
+            </a:r>
+            <a:r>
+              <a:rPr lang="en-US" b="1" dirty="0" err="1"/>
+              <a:t>app.ts</a:t>
+            </a:r>
+            <a:endParaRPr lang="en-US" b="1" dirty="0"/>
+          </a:p>
+          <a:p>
+            <a:pPr marL="400050" lvl="1" indent="0">
+              <a:buNone/>
+            </a:pPr>
+            <a:r>
+              <a:rPr lang="en-US" dirty="0"/>
+              <a:t>app.ts:2:1 - error TS2322: Type 'number' is not assignable to type 'string'.</a:t>
+            </a:r>
+          </a:p>
+          <a:p>
+            <a:pPr marL="400050" lvl="1" indent="0">
+              <a:buNone/>
+            </a:pPr>
+            <a:r>
+              <a:rPr lang="en-US" dirty="0"/>
+              <a:t>	2 message = 6;</a:t>
+            </a:r>
+          </a:p>
+          <a:p>
+            <a:pPr marL="400050" lvl="1" indent="0">
+              <a:buNone/>
+            </a:pPr>
+            <a:r>
+              <a:rPr lang="en-US" dirty="0"/>
+              <a:t>  	Found 1 error in app.ts:2</a:t>
+            </a:r>
+          </a:p>
+        </p:txBody>
+      </p:sp>
+    </p:spTree>
+    <p:extLst>
+      <p:ext uri="{BB962C8B-B14F-4D97-AF65-F5344CB8AC3E}">
+        <p14:creationId xmlns:p14="http://schemas.microsoft.com/office/powerpoint/2010/main" val="1755073847"/>
+      </p:ext>
+    </p:extLst>
+  </p:cSld>
+  <p:clrMapOvr>
+    <a:masterClrMapping/>
+  </p:clrMapOvr>
+</p:sld>
+</file>
+
+<file path=ppt/slides/slide23.xml><?xml version="1.0" encoding="utf-8"?>
+<p:sld xmlns:a="http://schemas.openxmlformats.org/drawingml/2006/main" xmlns:r="http://schemas.openxmlformats.org/officeDocument/2006/relationships" xmlns:p="http://schemas.openxmlformats.org/presentationml/2006/main">
+  <p:cSld>
+    <p:spTree>
+      <p:nvGrpSpPr>
+        <p:cNvPr id="1" name=""/>
+        <p:cNvGrpSpPr/>
+        <p:nvPr/>
+      </p:nvGrpSpPr>
+      <p:grpSpPr>
+        <a:xfrm>
+          <a:off x="0" y="0"/>
+          <a:ext cx="0" cy="0"/>
+          <a:chOff x="0" y="0"/>
+          <a:chExt cx="0" cy="0"/>
+        </a:xfrm>
+      </p:grpSpPr>
+      <p:sp>
+        <p:nvSpPr>
+          <p:cNvPr id="4" name="Title 3">
+            <a:extLst>
+              <a:ext uri="{FF2B5EF4-FFF2-40B4-BE49-F238E27FC236}">
+                <a16:creationId xmlns:a16="http://schemas.microsoft.com/office/drawing/2014/main" id="{029F177E-C309-9D6C-9EB7-82D7DD860A9E}"/>
+              </a:ext>
+            </a:extLst>
+          </p:cNvPr>
+          <p:cNvSpPr>
+            <a:spLocks noGrp="1"/>
+          </p:cNvSpPr>
+          <p:nvPr>
+            <p:ph type="ctrTitle"/>
+          </p:nvPr>
+        </p:nvSpPr>
+        <p:spPr/>
+        <p:txBody>
+          <a:bodyPr/>
+          <a:lstStyle/>
+          <a:p>
+            <a:r>
+              <a:rPr lang="en-US" dirty="0"/>
+              <a:t>What is JSON</a:t>
+            </a:r>
+          </a:p>
+        </p:txBody>
+      </p:sp>
+      <p:sp>
+        <p:nvSpPr>
+          <p:cNvPr id="5" name="Subtitle 4">
+            <a:extLst>
+              <a:ext uri="{FF2B5EF4-FFF2-40B4-BE49-F238E27FC236}">
+                <a16:creationId xmlns:a16="http://schemas.microsoft.com/office/drawing/2014/main" id="{339B1967-BFD3-F8A2-A50C-55BF74FEEF85}"/>
+              </a:ext>
+            </a:extLst>
+          </p:cNvPr>
+          <p:cNvSpPr>
+            <a:spLocks noGrp="1"/>
+          </p:cNvSpPr>
+          <p:nvPr>
+            <p:ph type="subTitle" idx="1"/>
+          </p:nvPr>
+        </p:nvSpPr>
+        <p:spPr>
+          <a:xfrm>
+            <a:off x="1154954" y="4777380"/>
+            <a:ext cx="10092165" cy="861420"/>
+          </a:xfrm>
+        </p:spPr>
+        <p:txBody>
+          <a:bodyPr>
+            <a:normAutofit fontScale="92500"/>
+          </a:bodyPr>
+          <a:lstStyle/>
+          <a:p>
+            <a:r>
+              <a:rPr lang="en-US" dirty="0"/>
+              <a:t>JavaScript object notion</a:t>
+            </a:r>
+          </a:p>
+          <a:p>
+            <a:r>
+              <a:rPr lang="en-US" dirty="0"/>
+              <a:t>https://github.com/panaverse/learn-typescript/tree/master/step00a_json_objects</a:t>
+            </a:r>
+          </a:p>
+        </p:txBody>
+      </p:sp>
+    </p:spTree>
+    <p:extLst>
+      <p:ext uri="{BB962C8B-B14F-4D97-AF65-F5344CB8AC3E}">
+        <p14:creationId xmlns:p14="http://schemas.microsoft.com/office/powerpoint/2010/main" val="3994376124"/>
+      </p:ext>
+    </p:extLst>
+  </p:cSld>
+  <p:clrMapOvr>
+    <a:masterClrMapping/>
+  </p:clrMapOvr>
+</p:sld>
+</file>
+
+<file path=ppt/slides/slide24.xml><?xml version="1.0" encoding="utf-8"?>
+<p:sld xmlns:a="http://schemas.openxmlformats.org/drawingml/2006/main" xmlns:r="http://schemas.openxmlformats.org/officeDocument/2006/relationships" xmlns:p="http://schemas.openxmlformats.org/presentationml/2006/main">
+  <p:cSld>
+    <p:spTree>
+      <p:nvGrpSpPr>
+        <p:cNvPr id="1" name=""/>
+        <p:cNvGrpSpPr/>
+        <p:nvPr/>
+      </p:nvGrpSpPr>
+      <p:grpSpPr>
+        <a:xfrm>
+          <a:off x="0" y="0"/>
+          <a:ext cx="0" cy="0"/>
+          <a:chOff x="0" y="0"/>
+          <a:chExt cx="0" cy="0"/>
+        </a:xfrm>
+      </p:grpSpPr>
+      <p:sp>
+        <p:nvSpPr>
+          <p:cNvPr id="2" name="Title 1">
+            <a:extLst>
+              <a:ext uri="{FF2B5EF4-FFF2-40B4-BE49-F238E27FC236}">
+                <a16:creationId xmlns:a16="http://schemas.microsoft.com/office/drawing/2014/main" id="{21AFDAE8-6192-B42F-5F83-143489958043}"/>
+              </a:ext>
+            </a:extLst>
+          </p:cNvPr>
+          <p:cNvSpPr>
+            <a:spLocks noGrp="1"/>
+          </p:cNvSpPr>
+          <p:nvPr>
+            <p:ph type="title"/>
+          </p:nvPr>
+        </p:nvSpPr>
+        <p:spPr/>
+        <p:txBody>
+          <a:bodyPr/>
+          <a:lstStyle/>
+          <a:p>
+            <a:r>
+              <a:rPr lang="en-US" dirty="0"/>
+              <a:t>What is JSON(JavaScript Object Notion)</a:t>
+            </a:r>
+          </a:p>
+        </p:txBody>
+      </p:sp>
+      <p:sp>
+        <p:nvSpPr>
+          <p:cNvPr id="3" name="Content Placeholder 2">
+            <a:extLst>
+              <a:ext uri="{FF2B5EF4-FFF2-40B4-BE49-F238E27FC236}">
+                <a16:creationId xmlns:a16="http://schemas.microsoft.com/office/drawing/2014/main" id="{B0445309-75AC-4609-EAD4-C339C27BCFED}"/>
+              </a:ext>
+            </a:extLst>
+          </p:cNvPr>
+          <p:cNvSpPr>
+            <a:spLocks noGrp="1"/>
+          </p:cNvSpPr>
+          <p:nvPr>
+            <p:ph idx="1"/>
+          </p:nvPr>
+        </p:nvSpPr>
+        <p:spPr/>
+        <p:txBody>
+          <a:bodyPr>
+            <a:normAutofit fontScale="85000" lnSpcReduction="20000"/>
+          </a:bodyPr>
+          <a:lstStyle/>
+          <a:p>
+            <a:pPr algn="l">
+              <a:buFont typeface="Wingdings" panose="05000000000000000000" pitchFamily="2" charset="2"/>
+              <a:buChar char="Ø"/>
+            </a:pPr>
+            <a:r>
+              <a:rPr lang="en-US" sz="2000" b="1" i="0" dirty="0">
+                <a:solidFill>
+                  <a:srgbClr val="111111"/>
+                </a:solidFill>
+                <a:effectLst/>
+                <a:latin typeface="-apple-system"/>
+              </a:rPr>
+              <a:t>JSON is a text-based data format that is used to store and transfer data between different systems and languages.</a:t>
+            </a:r>
+          </a:p>
+          <a:p>
+            <a:pPr algn="l">
+              <a:buFont typeface="Wingdings" panose="05000000000000000000" pitchFamily="2" charset="2"/>
+              <a:buChar char="Ø"/>
+            </a:pPr>
+            <a:r>
+              <a:rPr lang="en-US" sz="2000" b="1" i="0" dirty="0">
+                <a:solidFill>
+                  <a:srgbClr val="111111"/>
+                </a:solidFill>
+                <a:effectLst/>
+                <a:latin typeface="-apple-system"/>
+              </a:rPr>
+              <a:t>JSON data consists of key/value pairs enclosed in curly braces, and can also contain arrays enclosed in square brackets.</a:t>
+            </a:r>
+          </a:p>
+          <a:p>
+            <a:pPr algn="l">
+              <a:buFont typeface="Wingdings" panose="05000000000000000000" pitchFamily="2" charset="2"/>
+              <a:buChar char="Ø"/>
+            </a:pPr>
+            <a:r>
+              <a:rPr lang="en-US" sz="2000" b="1" i="0" dirty="0">
+                <a:solidFill>
+                  <a:srgbClr val="111111"/>
+                </a:solidFill>
+                <a:effectLst/>
+                <a:latin typeface="-apple-system"/>
+              </a:rPr>
+              <a:t>JSON data can be accessed using dot notation or bracket notation.</a:t>
+            </a:r>
+          </a:p>
+          <a:p>
+            <a:pPr algn="l">
+              <a:buFont typeface="Wingdings" panose="05000000000000000000" pitchFamily="2" charset="2"/>
+              <a:buChar char="Ø"/>
+            </a:pPr>
+            <a:r>
+              <a:rPr lang="en-US" sz="2000" b="1" i="0" dirty="0">
+                <a:solidFill>
+                  <a:srgbClr val="111111"/>
+                </a:solidFill>
+                <a:effectLst/>
+                <a:latin typeface="-apple-system"/>
+              </a:rPr>
+              <a:t>JSON is commonly used for data interchange on the web, as it is easy to parse and use.</a:t>
+            </a:r>
+          </a:p>
+          <a:p>
+            <a:pPr algn="l">
+              <a:buFont typeface="Wingdings" panose="05000000000000000000" pitchFamily="2" charset="2"/>
+              <a:buChar char="Ø"/>
+            </a:pPr>
+            <a:r>
+              <a:rPr lang="en-US" sz="2000" b="1" i="0" dirty="0">
+                <a:solidFill>
+                  <a:srgbClr val="111111"/>
+                </a:solidFill>
+                <a:effectLst/>
+                <a:latin typeface="-apple-system"/>
+              </a:rPr>
+              <a:t>JSON is different from JavaScript objects, as JSON does not allow functions and requires double quotes for the keys.</a:t>
+            </a:r>
+          </a:p>
+          <a:p>
+            <a:pPr algn="l">
+              <a:buFont typeface="Wingdings" panose="05000000000000000000" pitchFamily="2" charset="2"/>
+              <a:buChar char="Ø"/>
+            </a:pPr>
+            <a:r>
+              <a:rPr lang="en-US" sz="2000" b="1" i="0" dirty="0">
+                <a:solidFill>
+                  <a:srgbClr val="111111"/>
+                </a:solidFill>
+                <a:effectLst/>
+                <a:latin typeface="-apple-system"/>
+              </a:rPr>
+              <a:t>JSON is language independent, meaning it can be created and used by other programming languages besides JavaScript.</a:t>
+            </a:r>
+          </a:p>
+          <a:p>
+            <a:pPr algn="l">
+              <a:buFont typeface="Wingdings" panose="05000000000000000000" pitchFamily="2" charset="2"/>
+              <a:buChar char="Ø"/>
+            </a:pPr>
+            <a:r>
+              <a:rPr lang="en-US" sz="2000" b="1" i="0" dirty="0">
+                <a:solidFill>
+                  <a:srgbClr val="111111"/>
+                </a:solidFill>
+                <a:effectLst/>
+                <a:latin typeface="-apple-system"/>
+              </a:rPr>
+              <a:t>JSON is a lightweight and flexible data format that can handle various types of data.</a:t>
+            </a:r>
+          </a:p>
+          <a:p>
+            <a:endParaRPr lang="en-US" dirty="0"/>
+          </a:p>
+        </p:txBody>
+      </p:sp>
+    </p:spTree>
+    <p:extLst>
+      <p:ext uri="{BB962C8B-B14F-4D97-AF65-F5344CB8AC3E}">
+        <p14:creationId xmlns:p14="http://schemas.microsoft.com/office/powerpoint/2010/main" val="2806963941"/>
+      </p:ext>
+    </p:extLst>
+  </p:cSld>
+  <p:clrMapOvr>
+    <a:masterClrMapping/>
+  </p:clrMapOvr>
+</p:sld>
+</file>
+
+<file path=ppt/slides/slide25.xml><?xml version="1.0" encoding="utf-8"?>
+<p:sld xmlns:a="http://schemas.openxmlformats.org/drawingml/2006/main" xmlns:r="http://schemas.openxmlformats.org/officeDocument/2006/relationships" xmlns:p="http://schemas.openxmlformats.org/presentationml/2006/main">
+  <p:cSld>
+    <p:spTree>
+      <p:nvGrpSpPr>
+        <p:cNvPr id="1" name=""/>
+        <p:cNvGrpSpPr/>
+        <p:nvPr/>
+      </p:nvGrpSpPr>
+      <p:grpSpPr>
+        <a:xfrm>
+          <a:off x="0" y="0"/>
+          <a:ext cx="0" cy="0"/>
+          <a:chOff x="0" y="0"/>
+          <a:chExt cx="0" cy="0"/>
+        </a:xfrm>
+      </p:grpSpPr>
+      <p:sp>
+        <p:nvSpPr>
+          <p:cNvPr id="2" name="Title 1">
+            <a:extLst>
+              <a:ext uri="{FF2B5EF4-FFF2-40B4-BE49-F238E27FC236}">
+                <a16:creationId xmlns:a16="http://schemas.microsoft.com/office/drawing/2014/main" id="{81EC7479-8836-6802-CC65-BBE31BB320EF}"/>
+              </a:ext>
+            </a:extLst>
+          </p:cNvPr>
+          <p:cNvSpPr>
+            <a:spLocks noGrp="1"/>
+          </p:cNvSpPr>
+          <p:nvPr>
+            <p:ph type="title"/>
+          </p:nvPr>
+        </p:nvSpPr>
+        <p:spPr/>
+        <p:txBody>
+          <a:bodyPr/>
+          <a:lstStyle/>
+          <a:p>
+            <a:r>
+              <a:rPr lang="en-US" dirty="0"/>
+              <a:t>How JSON look like?</a:t>
+            </a:r>
+          </a:p>
+        </p:txBody>
+      </p:sp>
+      <p:sp>
+        <p:nvSpPr>
+          <p:cNvPr id="3" name="Content Placeholder 2">
+            <a:extLst>
+              <a:ext uri="{FF2B5EF4-FFF2-40B4-BE49-F238E27FC236}">
+                <a16:creationId xmlns:a16="http://schemas.microsoft.com/office/drawing/2014/main" id="{F6DCCA14-E132-6DC9-DD24-61806C628ADD}"/>
+              </a:ext>
+            </a:extLst>
+          </p:cNvPr>
+          <p:cNvSpPr>
+            <a:spLocks noGrp="1"/>
+          </p:cNvSpPr>
+          <p:nvPr>
+            <p:ph idx="1"/>
+          </p:nvPr>
+        </p:nvSpPr>
+        <p:spPr/>
+        <p:txBody>
+          <a:bodyPr>
+            <a:normAutofit fontScale="92500" lnSpcReduction="10000"/>
+          </a:bodyPr>
+          <a:lstStyle/>
+          <a:p>
+            <a:pPr marL="0" indent="0">
+              <a:buNone/>
+            </a:pPr>
+            <a:r>
+              <a:rPr lang="en-US" sz="3600" b="1" dirty="0"/>
+              <a:t>{</a:t>
+            </a:r>
+          </a:p>
+          <a:p>
+            <a:pPr marL="0" indent="0">
+              <a:buNone/>
+            </a:pPr>
+            <a:r>
+              <a:rPr lang="en-US" sz="3600" b="1" dirty="0"/>
+              <a:t>  "name": "Vipin",</a:t>
+            </a:r>
+          </a:p>
+          <a:p>
+            <a:pPr marL="0" indent="0">
+              <a:buNone/>
+            </a:pPr>
+            <a:r>
+              <a:rPr lang="en-US" sz="3600" b="1" dirty="0"/>
+              <a:t>  "age": 21,</a:t>
+            </a:r>
+          </a:p>
+          <a:p>
+            <a:pPr marL="0" indent="0">
+              <a:buNone/>
+            </a:pPr>
+            <a:r>
+              <a:rPr lang="en-US" sz="3600" b="1" dirty="0"/>
+              <a:t>  "gender": "male“,</a:t>
+            </a:r>
+          </a:p>
+          <a:p>
+            <a:pPr marL="0" indent="0">
+              <a:buNone/>
+            </a:pPr>
+            <a:r>
+              <a:rPr lang="en-US" sz="3200" b="1" dirty="0"/>
+              <a:t>  “</a:t>
+            </a:r>
+            <a:r>
+              <a:rPr lang="en-US" sz="3200" b="1" dirty="0" err="1"/>
+              <a:t>isStudent</a:t>
+            </a:r>
+            <a:r>
+              <a:rPr lang="en-US" sz="3200" b="1" dirty="0"/>
+              <a:t> “: true</a:t>
+            </a:r>
+            <a:endParaRPr lang="en-US" sz="3400" b="1" dirty="0"/>
+          </a:p>
+          <a:p>
+            <a:pPr marL="0" indent="0">
+              <a:buNone/>
+            </a:pPr>
+            <a:r>
+              <a:rPr lang="en-US" sz="3600" b="1" dirty="0"/>
+              <a:t>}</a:t>
+            </a:r>
+          </a:p>
+        </p:txBody>
+      </p:sp>
+    </p:spTree>
+    <p:extLst>
+      <p:ext uri="{BB962C8B-B14F-4D97-AF65-F5344CB8AC3E}">
+        <p14:creationId xmlns:p14="http://schemas.microsoft.com/office/powerpoint/2010/main" val="932803459"/>
+      </p:ext>
+    </p:extLst>
+  </p:cSld>
+  <p:clrMapOvr>
+    <a:masterClrMapping/>
+  </p:clrMapOvr>
+</p:sld>
+</file>
+
+<file path=ppt/slides/slide26.xml><?xml version="1.0" encoding="utf-8"?>
+<p:sld xmlns:a="http://schemas.openxmlformats.org/drawingml/2006/main" xmlns:r="http://schemas.openxmlformats.org/officeDocument/2006/relationships" xmlns:p="http://schemas.openxmlformats.org/presentationml/2006/main">
+  <p:cSld>
+    <p:spTree>
+      <p:nvGrpSpPr>
+        <p:cNvPr id="1" name=""/>
+        <p:cNvGrpSpPr/>
+        <p:nvPr/>
+      </p:nvGrpSpPr>
+      <p:grpSpPr>
+        <a:xfrm>
+          <a:off x="0" y="0"/>
+          <a:ext cx="0" cy="0"/>
+          <a:chOff x="0" y="0"/>
+          <a:chExt cx="0" cy="0"/>
+        </a:xfrm>
+      </p:grpSpPr>
+      <p:sp>
+        <p:nvSpPr>
+          <p:cNvPr id="2" name="Title 1">
+            <a:extLst>
+              <a:ext uri="{FF2B5EF4-FFF2-40B4-BE49-F238E27FC236}">
+                <a16:creationId xmlns:a16="http://schemas.microsoft.com/office/drawing/2014/main" id="{4A7F3CBB-6FC1-76CD-449B-A5723D8F55BF}"/>
+              </a:ext>
+            </a:extLst>
+          </p:cNvPr>
+          <p:cNvSpPr>
+            <a:spLocks noGrp="1"/>
+          </p:cNvSpPr>
+          <p:nvPr>
+            <p:ph type="title"/>
+          </p:nvPr>
+        </p:nvSpPr>
+        <p:spPr/>
+        <p:txBody>
+          <a:bodyPr/>
+          <a:lstStyle/>
+          <a:p>
+            <a:r>
+              <a:rPr lang="en-US" dirty="0" err="1"/>
+              <a:t>Github</a:t>
+            </a:r>
+            <a:r>
+              <a:rPr lang="en-US" dirty="0"/>
+              <a:t> to Follow</a:t>
+            </a:r>
+          </a:p>
+        </p:txBody>
+      </p:sp>
+      <p:sp>
+        <p:nvSpPr>
+          <p:cNvPr id="3" name="Content Placeholder 2">
+            <a:extLst>
+              <a:ext uri="{FF2B5EF4-FFF2-40B4-BE49-F238E27FC236}">
+                <a16:creationId xmlns:a16="http://schemas.microsoft.com/office/drawing/2014/main" id="{77C99BAC-2C08-2326-403E-706023907501}"/>
+              </a:ext>
+            </a:extLst>
+          </p:cNvPr>
+          <p:cNvSpPr>
+            <a:spLocks noGrp="1"/>
+          </p:cNvSpPr>
+          <p:nvPr>
+            <p:ph idx="1"/>
+          </p:nvPr>
+        </p:nvSpPr>
+        <p:spPr/>
+        <p:txBody>
+          <a:bodyPr/>
+          <a:lstStyle/>
+          <a:p>
+            <a:r>
+              <a:rPr lang="en-US" b="1" dirty="0" err="1"/>
+              <a:t>Panaverse</a:t>
+            </a:r>
+            <a:r>
+              <a:rPr lang="en-US" b="1" dirty="0"/>
+              <a:t> TypeScript Repository by Sir Zia Khan</a:t>
+            </a:r>
+          </a:p>
+          <a:p>
+            <a:pPr lvl="1"/>
+            <a:r>
+              <a:rPr lang="en-US" dirty="0">
+                <a:hlinkClick r:id="rId2"/>
+              </a:rPr>
+              <a:t>https://github.com/panaverse/learn-typescript.git</a:t>
+            </a:r>
+            <a:endParaRPr lang="en-US" dirty="0"/>
+          </a:p>
+          <a:p>
+            <a:r>
+              <a:rPr lang="en-US" b="1" dirty="0" err="1"/>
+              <a:t>TypeScripts</a:t>
+            </a:r>
+            <a:r>
+              <a:rPr lang="en-US" b="1" dirty="0"/>
+              <a:t> Assignments</a:t>
+            </a:r>
+          </a:p>
+          <a:p>
+            <a:pPr lvl="1"/>
+            <a:r>
+              <a:rPr lang="en-US" dirty="0">
+                <a:hlinkClick r:id="rId3"/>
+              </a:rPr>
+              <a:t>https://github.com/panaverse/learn-typescript/tree/master/NODE_PROJECTS</a:t>
+            </a:r>
+            <a:endParaRPr lang="en-US" dirty="0"/>
+          </a:p>
+          <a:p>
+            <a:r>
+              <a:rPr lang="en-US" b="1" dirty="0"/>
+              <a:t>Class Repository</a:t>
+            </a:r>
+          </a:p>
+          <a:p>
+            <a:pPr lvl="1"/>
+            <a:r>
+              <a:rPr lang="en-US" dirty="0">
+                <a:hlinkClick r:id="rId4"/>
+              </a:rPr>
+              <a:t>https://github.com/fkhan79/giaic_fmk/</a:t>
+            </a:r>
+            <a:endParaRPr lang="en-US" dirty="0"/>
+          </a:p>
+          <a:p>
+            <a:endParaRPr lang="en-US" dirty="0"/>
+          </a:p>
+        </p:txBody>
+      </p:sp>
+    </p:spTree>
+    <p:extLst>
+      <p:ext uri="{BB962C8B-B14F-4D97-AF65-F5344CB8AC3E}">
+        <p14:creationId xmlns:p14="http://schemas.microsoft.com/office/powerpoint/2010/main" val="1521313007"/>
       </p:ext>
     </p:extLst>
   </p:cSld>

--- a/presentations/GIAIC_01-Introduction to Programming.pptx
+++ b/presentations/GIAIC_01-Introduction to Programming.pptx
@@ -14616,14 +14616,14 @@
             <a:pPr lvl="1"/>
             <a:r>
               <a:rPr lang="en-US" dirty="0"/>
-              <a:t>You start the variable declaration but using the keyword “let”.</a:t>
+              <a:t>You start the variable declaration by using the keyword “let”.</a:t>
             </a:r>
           </a:p>
           <a:p>
             <a:pPr lvl="1"/>
             <a:r>
               <a:rPr lang="en-US" dirty="0"/>
-              <a:t>Then you create the name of variable, in the case </a:t>
+              <a:t>Then you create the name of variable, in this case </a:t>
             </a:r>
             <a:r>
               <a:rPr lang="en-US" dirty="0" err="1"/>
@@ -14638,7 +14638,7 @@
             <a:pPr lvl="1"/>
             <a:r>
               <a:rPr lang="en-US" dirty="0"/>
-              <a:t>Then you use the Equal operator to assign a value to the variable. In this case the value of this variable is “Blue”.</a:t>
+              <a:t>Then you use the Equal operator “=“ to assign a value to the variable. In this case the value of this variable is “Blue”.</a:t>
             </a:r>
           </a:p>
           <a:p>
@@ -17124,7 +17124,12 @@
             <p:ph idx="1"/>
           </p:nvPr>
         </p:nvSpPr>
-        <p:spPr/>
+        <p:spPr>
+          <a:xfrm>
+            <a:off x="231112" y="2603500"/>
+            <a:ext cx="11635991" cy="3416300"/>
+          </a:xfrm>
+        </p:spPr>
         <p:txBody>
           <a:bodyPr/>
           <a:lstStyle/>
@@ -17167,6 +17172,13 @@
               <a:t>https://github.com/panaverse/learn-typescript/tree/master/NODE_PROJECTS</a:t>
             </a:r>
             <a:endParaRPr lang="en-US" dirty="0"/>
+          </a:p>
+          <a:p>
+            <a:pPr lvl="1"/>
+            <a:r>
+              <a:rPr lang="en-US" dirty="0"/>
+              <a:t>https://github.com/panaverse/learn-typescript/blob/master/NODE_PROJECTS/getting-started-exercises.md</a:t>
+            </a:r>
           </a:p>
           <a:p>
             <a:r>
@@ -18003,7 +18015,7 @@
 <file path=ppt/theme/theme1.xml><?xml version="1.0" encoding="utf-8"?>
 <a:theme xmlns:a="http://schemas.openxmlformats.org/drawingml/2006/main" name="Ion Boardroom">
   <a:themeElements>
-    <a:clrScheme name="Ion Boardroom">
+    <a:clrScheme name="Grayscale">
       <a:dk1>
         <a:sysClr val="windowText" lastClr="000000"/>
       </a:dk1>
@@ -18011,34 +18023,34 @@
         <a:sysClr val="window" lastClr="FFFFFF"/>
       </a:lt1>
       <a:dk2>
-        <a:srgbClr val="3B3059"/>
+        <a:srgbClr val="000000"/>
       </a:dk2>
       <a:lt2>
-        <a:srgbClr val="EBEBEB"/>
+        <a:srgbClr val="F8F8F8"/>
       </a:lt2>
       <a:accent1>
-        <a:srgbClr val="B31166"/>
+        <a:srgbClr val="DDDDDD"/>
       </a:accent1>
       <a:accent2>
-        <a:srgbClr val="E33D6F"/>
+        <a:srgbClr val="B2B2B2"/>
       </a:accent2>
       <a:accent3>
-        <a:srgbClr val="E45F3C"/>
+        <a:srgbClr val="969696"/>
       </a:accent3>
       <a:accent4>
-        <a:srgbClr val="E9943A"/>
+        <a:srgbClr val="808080"/>
       </a:accent4>
       <a:accent5>
-        <a:srgbClr val="9B6BF2"/>
+        <a:srgbClr val="5F5F5F"/>
       </a:accent5>
       <a:accent6>
-        <a:srgbClr val="D53DD0"/>
+        <a:srgbClr val="4D4D4D"/>
       </a:accent6>
       <a:hlink>
-        <a:srgbClr val="8F8F8F"/>
+        <a:srgbClr val="5F5F5F"/>
       </a:hlink>
       <a:folHlink>
-        <a:srgbClr val="A5A5A5"/>
+        <a:srgbClr val="919191"/>
       </a:folHlink>
     </a:clrScheme>
     <a:fontScheme name="Ion Boardroom">

--- a/presentations/GIAIC_01-Introduction to Programming.pptx
+++ b/presentations/GIAIC_01-Introduction to Programming.pptx
@@ -33,7 +33,7 @@
     <p:sldId id="273" r:id="rId24"/>
     <p:sldId id="274" r:id="rId25"/>
     <p:sldId id="275" r:id="rId26"/>
-    <p:sldId id="281" r:id="rId27"/>
+    <p:sldId id="286" r:id="rId27"/>
   </p:sldIdLst>
   <p:sldSz cx="12192000" cy="6858000"/>
   <p:notesSz cx="6858000" cy="9144000"/>
@@ -17098,12 +17098,8 @@
           <a:lstStyle/>
           <a:p>
             <a:r>
-              <a:rPr lang="en-US" dirty="0" err="1"/>
-              <a:t>Github</a:t>
-            </a:r>
-            <a:r>
               <a:rPr lang="en-US" dirty="0"/>
-              <a:t> to Follow</a:t>
+              <a:t>GitHub Repositories to Follow</a:t>
             </a:r>
           </a:p>
         </p:txBody>
@@ -17131,7 +17127,9 @@
           </a:xfrm>
         </p:spPr>
         <p:txBody>
-          <a:bodyPr/>
+          <a:bodyPr>
+            <a:normAutofit lnSpcReduction="10000"/>
+          </a:bodyPr>
           <a:lstStyle/>
           <a:p>
             <a:r>
@@ -17152,6 +17150,19 @@
               <a:t>https://github.com/panaverse/learn-typescript.git</a:t>
             </a:r>
             <a:endParaRPr lang="en-US" dirty="0"/>
+          </a:p>
+          <a:p>
+            <a:r>
+              <a:rPr lang="en-US" b="1" dirty="0"/>
+              <a:t>Learn GIT by Zeeshan Hanif </a:t>
+            </a:r>
+          </a:p>
+          <a:p>
+            <a:pPr lvl="1"/>
+            <a:r>
+              <a:rPr lang="en-US" dirty="0"/>
+              <a:t>https://www.youtube.com/watch?v=MiXAma2db8Y&amp;list=PLKueo-cldy_HjRnPUL4G3pWHS7FREAizF&amp;index=2</a:t>
+            </a:r>
           </a:p>
           <a:p>
             <a:r>
